--- a/05.Spring JDBC.pptx
+++ b/05.Spring JDBC.pptx
@@ -34,6 +34,7 @@
     <p:sldId id="347" r:id="rId28"/>
     <p:sldId id="348" r:id="rId29"/>
     <p:sldId id="326" r:id="rId30"/>
+    <p:sldId id="350" r:id="rId31"/>
   </p:sldIdLst>
   <p:sldSz cx="12192000" cy="6858000"/>
   <p:notesSz cx="6858000" cy="9144000"/>
@@ -7327,21 +7328,7 @@
                 <a:latin typeface="Arial" panose="020B0604020202020204" pitchFamily="34" charset="0"/>
                 <a:cs typeface="Arial" panose="020B0604020202020204" pitchFamily="34" charset="0"/>
               </a:rPr>
-              <a:t>Thử </a:t>
-            </a:r>
-            <a:r>
-              <a:rPr lang="en-US" dirty="0" smtClean="0">
-                <a:latin typeface="Arial" panose="020B0604020202020204" pitchFamily="34" charset="0"/>
-                <a:cs typeface="Arial" panose="020B0604020202020204" pitchFamily="34" charset="0"/>
-              </a:rPr>
-              <a:t>trường hợp 0 kết </a:t>
-            </a:r>
-            <a:r>
-              <a:rPr lang="en-US" dirty="0" smtClean="0">
-                <a:latin typeface="Arial" panose="020B0604020202020204" pitchFamily="34" charset="0"/>
-                <a:cs typeface="Arial" panose="020B0604020202020204" pitchFamily="34" charset="0"/>
-              </a:rPr>
-              <a:t>quả</a:t>
+              <a:t>Thử trường hợp 0 kết quả</a:t>
             </a:r>
           </a:p>
           <a:p>
@@ -7375,21 +7362,7 @@
                 <a:latin typeface="Arial" panose="020B0604020202020204" pitchFamily="34" charset="0"/>
                 <a:cs typeface="Arial" panose="020B0604020202020204" pitchFamily="34" charset="0"/>
               </a:rPr>
-              <a:t>nhiều </a:t>
-            </a:r>
-            <a:r>
-              <a:rPr lang="en-US" dirty="0" smtClean="0">
-                <a:latin typeface="Arial" panose="020B0604020202020204" pitchFamily="34" charset="0"/>
-                <a:cs typeface="Arial" panose="020B0604020202020204" pitchFamily="34" charset="0"/>
-              </a:rPr>
-              <a:t>kết </a:t>
-            </a:r>
-            <a:r>
-              <a:rPr lang="en-US" dirty="0" smtClean="0">
-                <a:latin typeface="Arial" panose="020B0604020202020204" pitchFamily="34" charset="0"/>
-                <a:cs typeface="Arial" panose="020B0604020202020204" pitchFamily="34" charset="0"/>
-              </a:rPr>
-              <a:t>quả</a:t>
+              <a:t>nhiều kết quả</a:t>
             </a:r>
             <a:endParaRPr lang="en-US" dirty="0">
               <a:latin typeface="Arial" panose="020B0604020202020204" pitchFamily="34" charset="0"/>
@@ -9134,6 +9107,201 @@
     <p:extLst>
       <p:ext uri="{BB962C8B-B14F-4D97-AF65-F5344CB8AC3E}">
         <p14:creationId xmlns:p14="http://schemas.microsoft.com/office/powerpoint/2010/main" val="946330211"/>
+      </p:ext>
+    </p:extLst>
+  </p:cSld>
+  <p:clrMapOvr>
+    <a:masterClrMapping/>
+  </p:clrMapOvr>
+</p:sld>
+</file>
+
+<file path=ppt/slides/slide30.xml><?xml version="1.0" encoding="utf-8"?>
+<p:sld xmlns:a="http://schemas.openxmlformats.org/drawingml/2006/main" xmlns:r="http://schemas.openxmlformats.org/officeDocument/2006/relationships" xmlns:p="http://schemas.openxmlformats.org/presentationml/2006/main">
+  <p:cSld>
+    <p:spTree>
+      <p:nvGrpSpPr>
+        <p:cNvPr id="1" name=""/>
+        <p:cNvGrpSpPr/>
+        <p:nvPr/>
+      </p:nvGrpSpPr>
+      <p:grpSpPr>
+        <a:xfrm>
+          <a:off x="0" y="0"/>
+          <a:ext cx="0" cy="0"/>
+          <a:chOff x="0" y="0"/>
+          <a:chExt cx="0" cy="0"/>
+        </a:xfrm>
+      </p:grpSpPr>
+      <p:sp>
+        <p:nvSpPr>
+          <p:cNvPr id="2" name="Title 1"/>
+          <p:cNvSpPr>
+            <a:spLocks noGrp="1"/>
+          </p:cNvSpPr>
+          <p:nvPr>
+            <p:ph type="title"/>
+          </p:nvPr>
+        </p:nvSpPr>
+        <p:spPr/>
+        <p:txBody>
+          <a:bodyPr/>
+          <a:lstStyle/>
+          <a:p>
+            <a:r>
+              <a:rPr lang="en-US" dirty="0" smtClean="0">
+                <a:latin typeface="Arial" panose="020B0604020202020204" pitchFamily="34" charset="0"/>
+                <a:cs typeface="Arial" panose="020B0604020202020204" pitchFamily="34" charset="0"/>
+              </a:rPr>
+              <a:t>Exercise</a:t>
+            </a:r>
+            <a:endParaRPr lang="en-US" dirty="0">
+              <a:latin typeface="Arial" panose="020B0604020202020204" pitchFamily="34" charset="0"/>
+              <a:cs typeface="Arial" panose="020B0604020202020204" pitchFamily="34" charset="0"/>
+            </a:endParaRPr>
+          </a:p>
+        </p:txBody>
+      </p:sp>
+      <p:sp>
+        <p:nvSpPr>
+          <p:cNvPr id="3" name="Content Placeholder 2"/>
+          <p:cNvSpPr>
+            <a:spLocks noGrp="1"/>
+          </p:cNvSpPr>
+          <p:nvPr>
+            <p:ph idx="1"/>
+          </p:nvPr>
+        </p:nvSpPr>
+        <p:spPr/>
+        <p:txBody>
+          <a:bodyPr/>
+          <a:lstStyle/>
+          <a:p>
+            <a:r>
+              <a:rPr lang="en-US" dirty="0">
+                <a:latin typeface="Arial" panose="020B0604020202020204" pitchFamily="34" charset="0"/>
+                <a:cs typeface="Arial" panose="020B0604020202020204" pitchFamily="34" charset="0"/>
+              </a:rPr>
+              <a:t>Cấu hình application.properties</a:t>
+            </a:r>
+            <a:endParaRPr lang="en-US" dirty="0">
+              <a:latin typeface="Arial" panose="020B0604020202020204" pitchFamily="34" charset="0"/>
+              <a:cs typeface="Arial" panose="020B0604020202020204" pitchFamily="34" charset="0"/>
+            </a:endParaRPr>
+          </a:p>
+          <a:p>
+            <a:pPr lvl="1"/>
+            <a:r>
+              <a:rPr lang="en-US" dirty="0">
+                <a:latin typeface="Arial" panose="020B0604020202020204" pitchFamily="34" charset="0"/>
+                <a:cs typeface="Arial" panose="020B0604020202020204" pitchFamily="34" charset="0"/>
+              </a:rPr>
+              <a:t>spring.sql.init.mode=always</a:t>
+            </a:r>
+          </a:p>
+          <a:p>
+            <a:pPr lvl="1"/>
+            <a:r>
+              <a:rPr lang="en-US" dirty="0">
+                <a:latin typeface="Arial" panose="020B0604020202020204" pitchFamily="34" charset="0"/>
+                <a:cs typeface="Arial" panose="020B0604020202020204" pitchFamily="34" charset="0"/>
+              </a:rPr>
+              <a:t>spring.sql.init.schema-locations=classpath:schema.sql</a:t>
+            </a:r>
+          </a:p>
+          <a:p>
+            <a:pPr lvl="1"/>
+            <a:r>
+              <a:rPr lang="en-US" dirty="0">
+                <a:latin typeface="Arial" panose="020B0604020202020204" pitchFamily="34" charset="0"/>
+                <a:cs typeface="Arial" panose="020B0604020202020204" pitchFamily="34" charset="0"/>
+              </a:rPr>
+              <a:t>spring.sql.init.data-locations=classpath:data.sql</a:t>
+            </a:r>
+            <a:endParaRPr lang="en-US" dirty="0" smtClean="0">
+              <a:latin typeface="Arial" panose="020B0604020202020204" pitchFamily="34" charset="0"/>
+              <a:cs typeface="Arial" panose="020B0604020202020204" pitchFamily="34" charset="0"/>
+            </a:endParaRPr>
+          </a:p>
+          <a:p>
+            <a:endParaRPr lang="en-US" dirty="0">
+              <a:latin typeface="Arial" panose="020B0604020202020204" pitchFamily="34" charset="0"/>
+              <a:cs typeface="Arial" panose="020B0604020202020204" pitchFamily="34" charset="0"/>
+            </a:endParaRPr>
+          </a:p>
+          <a:p>
+            <a:r>
+              <a:rPr lang="en-US" dirty="0" smtClean="0">
+                <a:latin typeface="Arial" panose="020B0604020202020204" pitchFamily="34" charset="0"/>
+                <a:cs typeface="Arial" panose="020B0604020202020204" pitchFamily="34" charset="0"/>
+              </a:rPr>
+              <a:t>Tạo schema.sql và data.sql</a:t>
+            </a:r>
+            <a:endParaRPr lang="en-US" dirty="0" smtClean="0">
+              <a:latin typeface="Arial" panose="020B0604020202020204" pitchFamily="34" charset="0"/>
+              <a:cs typeface="Arial" panose="020B0604020202020204" pitchFamily="34" charset="0"/>
+            </a:endParaRPr>
+          </a:p>
+          <a:p>
+            <a:endParaRPr lang="en-US" dirty="0">
+              <a:latin typeface="Arial" panose="020B0604020202020204" pitchFamily="34" charset="0"/>
+              <a:cs typeface="Arial" panose="020B0604020202020204" pitchFamily="34" charset="0"/>
+            </a:endParaRPr>
+          </a:p>
+        </p:txBody>
+      </p:sp>
+      <p:pic>
+        <p:nvPicPr>
+          <p:cNvPr id="5" name="Picture 4"/>
+          <p:cNvPicPr>
+            <a:picLocks noChangeAspect="1"/>
+          </p:cNvPicPr>
+          <p:nvPr/>
+        </p:nvPicPr>
+        <p:blipFill>
+          <a:blip r:embed="rId2"/>
+          <a:stretch>
+            <a:fillRect/>
+          </a:stretch>
+        </p:blipFill>
+        <p:spPr>
+          <a:xfrm>
+            <a:off x="677334" y="4487862"/>
+            <a:ext cx="3314700" cy="1438275"/>
+          </a:xfrm>
+          <a:prstGeom prst="rect">
+            <a:avLst/>
+          </a:prstGeom>
+        </p:spPr>
+      </p:pic>
+      <p:pic>
+        <p:nvPicPr>
+          <p:cNvPr id="6" name="Picture 5"/>
+          <p:cNvPicPr>
+            <a:picLocks noChangeAspect="1"/>
+          </p:cNvPicPr>
+          <p:nvPr/>
+        </p:nvPicPr>
+        <p:blipFill>
+          <a:blip r:embed="rId3"/>
+          <a:stretch>
+            <a:fillRect/>
+          </a:stretch>
+        </p:blipFill>
+        <p:spPr>
+          <a:xfrm>
+            <a:off x="4208462" y="4487862"/>
+            <a:ext cx="2619375" cy="1000125"/>
+          </a:xfrm>
+          <a:prstGeom prst="rect">
+            <a:avLst/>
+          </a:prstGeom>
+        </p:spPr>
+      </p:pic>
+    </p:spTree>
+    <p:extLst>
+      <p:ext uri="{BB962C8B-B14F-4D97-AF65-F5344CB8AC3E}">
+        <p14:creationId xmlns:p14="http://schemas.microsoft.com/office/powerpoint/2010/main" val="2546011864"/>
       </p:ext>
     </p:extLst>
   </p:cSld>

--- a/05.Spring JDBC.pptx
+++ b/05.Spring JDBC.pptx
@@ -865,7 +865,7 @@
           <a:p>
             <a:fld id="{E7E49A89-72C0-40C6-A55C-C6C12D525ACC}" type="datetimeFigureOut">
               <a:rPr lang="en-US" smtClean="0"/>
-              <a:t>7/21/2024</a:t>
+              <a:t>7/23/2024</a:t>
             </a:fld>
             <a:endParaRPr lang="en-US"/>
           </a:p>
@@ -1116,7 +1116,7 @@
           <a:p>
             <a:fld id="{E7E49A89-72C0-40C6-A55C-C6C12D525ACC}" type="datetimeFigureOut">
               <a:rPr lang="en-US" smtClean="0"/>
-              <a:t>7/21/2024</a:t>
+              <a:t>7/23/2024</a:t>
             </a:fld>
             <a:endParaRPr lang="en-US"/>
           </a:p>
@@ -1430,7 +1430,7 @@
           <a:p>
             <a:fld id="{E7E49A89-72C0-40C6-A55C-C6C12D525ACC}" type="datetimeFigureOut">
               <a:rPr lang="en-US" smtClean="0"/>
-              <a:t>7/21/2024</a:t>
+              <a:t>7/23/2024</a:t>
             </a:fld>
             <a:endParaRPr lang="en-US"/>
           </a:p>
@@ -1757,7 +1757,7 @@
           <a:p>
             <a:fld id="{E7E49A89-72C0-40C6-A55C-C6C12D525ACC}" type="datetimeFigureOut">
               <a:rPr lang="en-US" smtClean="0"/>
-              <a:t>7/21/2024</a:t>
+              <a:t>7/23/2024</a:t>
             </a:fld>
             <a:endParaRPr lang="en-US"/>
           </a:p>
@@ -2071,7 +2071,7 @@
           <a:p>
             <a:fld id="{E7E49A89-72C0-40C6-A55C-C6C12D525ACC}" type="datetimeFigureOut">
               <a:rPr lang="en-US" smtClean="0"/>
-              <a:t>7/21/2024</a:t>
+              <a:t>7/23/2024</a:t>
             </a:fld>
             <a:endParaRPr lang="en-US"/>
           </a:p>
@@ -2458,7 +2458,7 @@
           <a:p>
             <a:fld id="{E7E49A89-72C0-40C6-A55C-C6C12D525ACC}" type="datetimeFigureOut">
               <a:rPr lang="en-US" smtClean="0"/>
-              <a:t>7/21/2024</a:t>
+              <a:t>7/23/2024</a:t>
             </a:fld>
             <a:endParaRPr lang="en-US"/>
           </a:p>
@@ -2628,7 +2628,7 @@
           <a:p>
             <a:fld id="{E7E49A89-72C0-40C6-A55C-C6C12D525ACC}" type="datetimeFigureOut">
               <a:rPr lang="en-US" smtClean="0"/>
-              <a:t>7/21/2024</a:t>
+              <a:t>7/23/2024</a:t>
             </a:fld>
             <a:endParaRPr lang="en-US"/>
           </a:p>
@@ -2808,7 +2808,7 @@
           <a:p>
             <a:fld id="{E7E49A89-72C0-40C6-A55C-C6C12D525ACC}" type="datetimeFigureOut">
               <a:rPr lang="en-US" smtClean="0"/>
-              <a:t>7/21/2024</a:t>
+              <a:t>7/23/2024</a:t>
             </a:fld>
             <a:endParaRPr lang="en-US"/>
           </a:p>
@@ -2984,7 +2984,7 @@
           <a:p>
             <a:fld id="{E7E49A89-72C0-40C6-A55C-C6C12D525ACC}" type="datetimeFigureOut">
               <a:rPr lang="en-US" smtClean="0"/>
-              <a:t>7/21/2024</a:t>
+              <a:t>7/23/2024</a:t>
             </a:fld>
             <a:endParaRPr lang="en-US"/>
           </a:p>
@@ -3231,7 +3231,7 @@
           <a:p>
             <a:fld id="{E7E49A89-72C0-40C6-A55C-C6C12D525ACC}" type="datetimeFigureOut">
               <a:rPr lang="en-US" smtClean="0"/>
-              <a:t>7/21/2024</a:t>
+              <a:t>7/23/2024</a:t>
             </a:fld>
             <a:endParaRPr lang="en-US"/>
           </a:p>
@@ -3463,7 +3463,7 @@
           <a:p>
             <a:fld id="{E7E49A89-72C0-40C6-A55C-C6C12D525ACC}" type="datetimeFigureOut">
               <a:rPr lang="en-US" smtClean="0"/>
-              <a:t>7/21/2024</a:t>
+              <a:t>7/23/2024</a:t>
             </a:fld>
             <a:endParaRPr lang="en-US"/>
           </a:p>
@@ -3837,7 +3837,7 @@
           <a:p>
             <a:fld id="{E7E49A89-72C0-40C6-A55C-C6C12D525ACC}" type="datetimeFigureOut">
               <a:rPr lang="en-US" smtClean="0"/>
-              <a:t>7/21/2024</a:t>
+              <a:t>7/23/2024</a:t>
             </a:fld>
             <a:endParaRPr lang="en-US"/>
           </a:p>
@@ -3960,7 +3960,7 @@
           <a:p>
             <a:fld id="{E7E49A89-72C0-40C6-A55C-C6C12D525ACC}" type="datetimeFigureOut">
               <a:rPr lang="en-US" smtClean="0"/>
-              <a:t>7/21/2024</a:t>
+              <a:t>7/23/2024</a:t>
             </a:fld>
             <a:endParaRPr lang="en-US"/>
           </a:p>
@@ -4055,7 +4055,7 @@
           <a:p>
             <a:fld id="{E7E49A89-72C0-40C6-A55C-C6C12D525ACC}" type="datetimeFigureOut">
               <a:rPr lang="en-US" smtClean="0"/>
-              <a:t>7/21/2024</a:t>
+              <a:t>7/23/2024</a:t>
             </a:fld>
             <a:endParaRPr lang="en-US"/>
           </a:p>
@@ -4310,7 +4310,7 @@
           <a:p>
             <a:fld id="{E7E49A89-72C0-40C6-A55C-C6C12D525ACC}" type="datetimeFigureOut">
               <a:rPr lang="en-US" smtClean="0"/>
-              <a:t>7/21/2024</a:t>
+              <a:t>7/23/2024</a:t>
             </a:fld>
             <a:endParaRPr lang="en-US"/>
           </a:p>
@@ -4573,7 +4573,7 @@
           <a:p>
             <a:fld id="{E7E49A89-72C0-40C6-A55C-C6C12D525ACC}" type="datetimeFigureOut">
               <a:rPr lang="en-US" smtClean="0"/>
-              <a:t>7/21/2024</a:t>
+              <a:t>7/23/2024</a:t>
             </a:fld>
             <a:endParaRPr lang="en-US"/>
           </a:p>
@@ -5318,7 +5318,7 @@
           <a:p>
             <a:fld id="{E7E49A89-72C0-40C6-A55C-C6C12D525ACC}" type="datetimeFigureOut">
               <a:rPr lang="en-US" smtClean="0"/>
-              <a:t>7/21/2024</a:t>
+              <a:t>7/23/2024</a:t>
             </a:fld>
             <a:endParaRPr lang="en-US"/>
           </a:p>
@@ -6892,28 +6892,6 @@
               <a:cs typeface="Arial" panose="020B0604020202020204" pitchFamily="34" charset="0"/>
             </a:endParaRPr>
           </a:p>
-          <a:p>
-            <a:endParaRPr lang="en-US" dirty="0" smtClean="0">
-              <a:latin typeface="Arial" panose="020B0604020202020204" pitchFamily="34" charset="0"/>
-              <a:cs typeface="Arial" panose="020B0604020202020204" pitchFamily="34" charset="0"/>
-            </a:endParaRPr>
-          </a:p>
-          <a:p>
-            <a:r>
-              <a:rPr lang="en-US" dirty="0" smtClean="0">
-                <a:latin typeface="Arial" panose="020B0604020202020204" pitchFamily="34" charset="0"/>
-                <a:cs typeface="Arial" panose="020B0604020202020204" pitchFamily="34" charset="0"/>
-              </a:rPr>
-              <a:t>Thử trường hợp 0 kết quả, 1 kết quả và nhiều kết quả trả về</a:t>
-            </a:r>
-          </a:p>
-          <a:p>
-            <a:pPr lvl="1"/>
-            <a:endParaRPr lang="en-US" dirty="0">
-              <a:latin typeface="Arial" panose="020B0604020202020204" pitchFamily="34" charset="0"/>
-              <a:cs typeface="Arial" panose="020B0604020202020204" pitchFamily="34" charset="0"/>
-            </a:endParaRPr>
-          </a:p>
         </p:txBody>
       </p:sp>
       <p:pic>
@@ -9184,52 +9162,48 @@
               </a:rPr>
               <a:t>Cấu hình application.properties</a:t>
             </a:r>
+          </a:p>
+          <a:p>
+            <a:pPr lvl="1"/>
+            <a:r>
+              <a:rPr lang="en-US" dirty="0">
+                <a:latin typeface="Arial" panose="020B0604020202020204" pitchFamily="34" charset="0"/>
+                <a:cs typeface="Arial" panose="020B0604020202020204" pitchFamily="34" charset="0"/>
+              </a:rPr>
+              <a:t>spring.sql.init.mode=always</a:t>
+            </a:r>
+          </a:p>
+          <a:p>
+            <a:pPr lvl="1"/>
+            <a:r>
+              <a:rPr lang="en-US" dirty="0">
+                <a:latin typeface="Arial" panose="020B0604020202020204" pitchFamily="34" charset="0"/>
+                <a:cs typeface="Arial" panose="020B0604020202020204" pitchFamily="34" charset="0"/>
+              </a:rPr>
+              <a:t>spring.sql.init.schema-locations=classpath:schema.sql</a:t>
+            </a:r>
+          </a:p>
+          <a:p>
+            <a:pPr lvl="1"/>
+            <a:r>
+              <a:rPr lang="en-US" dirty="0">
+                <a:latin typeface="Arial" panose="020B0604020202020204" pitchFamily="34" charset="0"/>
+                <a:cs typeface="Arial" panose="020B0604020202020204" pitchFamily="34" charset="0"/>
+              </a:rPr>
+              <a:t>spring.sql.init.data-locations=classpath:data.sql</a:t>
+            </a:r>
+            <a:endParaRPr lang="en-US" dirty="0" smtClean="0">
+              <a:latin typeface="Arial" panose="020B0604020202020204" pitchFamily="34" charset="0"/>
+              <a:cs typeface="Arial" panose="020B0604020202020204" pitchFamily="34" charset="0"/>
+            </a:endParaRPr>
+          </a:p>
+          <a:p>
             <a:endParaRPr lang="en-US" dirty="0">
               <a:latin typeface="Arial" panose="020B0604020202020204" pitchFamily="34" charset="0"/>
               <a:cs typeface="Arial" panose="020B0604020202020204" pitchFamily="34" charset="0"/>
             </a:endParaRPr>
           </a:p>
           <a:p>
-            <a:pPr lvl="1"/>
-            <a:r>
-              <a:rPr lang="en-US" dirty="0">
-                <a:latin typeface="Arial" panose="020B0604020202020204" pitchFamily="34" charset="0"/>
-                <a:cs typeface="Arial" panose="020B0604020202020204" pitchFamily="34" charset="0"/>
-              </a:rPr>
-              <a:t>spring.sql.init.mode=always</a:t>
-            </a:r>
-          </a:p>
-          <a:p>
-            <a:pPr lvl="1"/>
-            <a:r>
-              <a:rPr lang="en-US" dirty="0">
-                <a:latin typeface="Arial" panose="020B0604020202020204" pitchFamily="34" charset="0"/>
-                <a:cs typeface="Arial" panose="020B0604020202020204" pitchFamily="34" charset="0"/>
-              </a:rPr>
-              <a:t>spring.sql.init.schema-locations=classpath:schema.sql</a:t>
-            </a:r>
-          </a:p>
-          <a:p>
-            <a:pPr lvl="1"/>
-            <a:r>
-              <a:rPr lang="en-US" dirty="0">
-                <a:latin typeface="Arial" panose="020B0604020202020204" pitchFamily="34" charset="0"/>
-                <a:cs typeface="Arial" panose="020B0604020202020204" pitchFamily="34" charset="0"/>
-              </a:rPr>
-              <a:t>spring.sql.init.data-locations=classpath:data.sql</a:t>
-            </a:r>
-            <a:endParaRPr lang="en-US" dirty="0" smtClean="0">
-              <a:latin typeface="Arial" panose="020B0604020202020204" pitchFamily="34" charset="0"/>
-              <a:cs typeface="Arial" panose="020B0604020202020204" pitchFamily="34" charset="0"/>
-            </a:endParaRPr>
-          </a:p>
-          <a:p>
-            <a:endParaRPr lang="en-US" dirty="0">
-              <a:latin typeface="Arial" panose="020B0604020202020204" pitchFamily="34" charset="0"/>
-              <a:cs typeface="Arial" panose="020B0604020202020204" pitchFamily="34" charset="0"/>
-            </a:endParaRPr>
-          </a:p>
-          <a:p>
             <a:r>
               <a:rPr lang="en-US" dirty="0" smtClean="0">
                 <a:latin typeface="Arial" panose="020B0604020202020204" pitchFamily="34" charset="0"/>
@@ -9237,10 +9211,6 @@
               </a:rPr>
               <a:t>Tạo schema.sql và data.sql</a:t>
             </a:r>
-            <a:endParaRPr lang="en-US" dirty="0" smtClean="0">
-              <a:latin typeface="Arial" panose="020B0604020202020204" pitchFamily="34" charset="0"/>
-              <a:cs typeface="Arial" panose="020B0604020202020204" pitchFamily="34" charset="0"/>
-            </a:endParaRPr>
           </a:p>
           <a:p>
             <a:endParaRPr lang="en-US" dirty="0">
